--- a/Lecture_04_Ujjal.pptx
+++ b/Lecture_04_Ujjal.pptx
@@ -5410,6 +5410,41 @@
                                   </p:childTnLst>
                                 </p:cTn>
                               </p:par>
+                              <p:par>
+                                <p:cTn id="8" presetID="10" presetClass="entr" presetSubtype="0" fill="hold" grpId="0" nodeType="withEffect">
+                                  <p:stCondLst>
+                                    <p:cond delay="0"/>
+                                  </p:stCondLst>
+                                  <p:childTnLst>
+                                    <p:set>
+                                      <p:cBhvr>
+                                        <p:cTn id="9" dur="1" fill="hold">
+                                          <p:stCondLst>
+                                            <p:cond delay="0"/>
+                                          </p:stCondLst>
+                                        </p:cTn>
+                                        <p:tgtEl>
+                                          <p:spTgt spid="7"/>
+                                        </p:tgtEl>
+                                        <p:attrNameLst>
+                                          <p:attrName>style.visibility</p:attrName>
+                                        </p:attrNameLst>
+                                      </p:cBhvr>
+                                      <p:to>
+                                        <p:strVal val="visible"/>
+                                      </p:to>
+                                    </p:set>
+                                    <p:animEffect transition="in" filter="fade">
+                                      <p:cBhvr>
+                                        <p:cTn id="10" dur="500"/>
+                                        <p:tgtEl>
+                                          <p:spTgt spid="7"/>
+                                        </p:tgtEl>
+                                      </p:cBhvr>
+                                    </p:animEffect>
+                                  </p:childTnLst>
+                                </p:cTn>
+                              </p:par>
                             </p:childTnLst>
                           </p:cTn>
                         </p:par>
@@ -5437,6 +5472,9 @@
         </p:cTn>
       </p:par>
     </p:tnLst>
+    <p:bldLst>
+      <p:bldP spid="7" grpId="0"/>
+    </p:bldLst>
   </p:timing>
 </p:sld>
 </file>

--- a/Lecture_04_Ujjal.pptx
+++ b/Lecture_04_Ujjal.pptx
@@ -460,7 +460,7 @@
             <a:fld id="{DBF7D493-8EEB-7E45-916B-5FBC49ABC710}" type="datetimeFigureOut">
               <a:rPr lang="en-US" smtClean="0"/>
               <a:pPr/>
-              <a:t>1/23/2019</a:t>
+              <a:t>1/24/2019</a:t>
             </a:fld>
             <a:endParaRPr lang="en-US" dirty="0"/>
           </a:p>
@@ -2377,7 +2377,7 @@
           <a:p>
             <a:fld id="{25C3DF0D-12B6-46E9-BF3E-4B94ECB1EF92}" type="datetime1">
               <a:rPr lang="en-US" smtClean="0"/>
-              <a:t>1/23/2019</a:t>
+              <a:t>1/24/2019</a:t>
             </a:fld>
             <a:endParaRPr lang="en-US"/>
           </a:p>
@@ -2642,7 +2642,7 @@
           <a:p>
             <a:fld id="{B1BDBD61-3206-40CC-9783-E7B9F319B57E}" type="datetime1">
               <a:rPr lang="en-US" smtClean="0"/>
-              <a:t>1/23/2019</a:t>
+              <a:t>1/24/2019</a:t>
             </a:fld>
             <a:endParaRPr lang="en-US"/>
           </a:p>
@@ -7805,6 +7805,52 @@
           </a:prstGeom>
         </p:spPr>
       </p:pic>
+      <p:sp>
+        <p:nvSpPr>
+          <p:cNvPr id="3" name="TextBox 2"/>
+          <p:cNvSpPr txBox="1"/>
+          <p:nvPr/>
+        </p:nvSpPr>
+        <p:spPr>
+          <a:xfrm>
+            <a:off x="964850" y="3531477"/>
+            <a:ext cx="1267547" cy="338554"/>
+          </a:xfrm>
+          <a:prstGeom prst="rect">
+            <a:avLst/>
+          </a:prstGeom>
+          <a:noFill/>
+        </p:spPr>
+        <p:txBody>
+          <a:bodyPr wrap="square" rtlCol="0">
+            <a:spAutoFit/>
+          </a:bodyPr>
+          <a:lstStyle/>
+          <a:p>
+            <a:r>
+              <a:rPr lang="en-US" b="1" dirty="0" smtClean="0">
+                <a:latin typeface="Courier"/>
+              </a:rPr>
+              <a:t>JSR </a:t>
+            </a:r>
+            <a:r>
+              <a:rPr lang="en-US" b="1" dirty="0" smtClean="0">
+                <a:solidFill>
+                  <a:srgbClr val="0000FF"/>
+                </a:solidFill>
+                <a:latin typeface="Courier"/>
+              </a:rPr>
+              <a:t>PUSH</a:t>
+            </a:r>
+            <a:endParaRPr lang="en-US" b="1" dirty="0">
+              <a:solidFill>
+                <a:srgbClr val="0000FF"/>
+              </a:solidFill>
+              <a:latin typeface="Courier"/>
+            </a:endParaRPr>
+          </a:p>
+        </p:txBody>
+      </p:sp>
     </p:spTree>
     <p:extLst>
       <p:ext uri="{BB962C8B-B14F-4D97-AF65-F5344CB8AC3E}">
@@ -15526,7 +15572,7 @@
           <p:nvPr>
             <p:extLst>
               <p:ext uri="{D42A27DB-BD31-4B8C-83A1-F6EECF244321}">
-                <p14:modId xmlns:p14="http://schemas.microsoft.com/office/powerpoint/2010/main" val="3904995526"/>
+                <p14:modId xmlns:p14="http://schemas.microsoft.com/office/powerpoint/2010/main" val="2496465140"/>
               </p:ext>
             </p:extLst>
           </p:nvPr>
@@ -15835,9 +15881,10 @@
                     <a:lstStyle/>
                     <a:p>
                       <a:r>
-                        <a:rPr lang="en-US" sz="800" dirty="0"/>
-                        <a:t>x3FEF</a:t>
+                        <a:rPr lang="en-US" sz="800" dirty="0" smtClean="0"/>
+                        <a:t>x3FEB</a:t>
                       </a:r>
+                      <a:endParaRPr lang="en-US" sz="800" dirty="0"/>
                     </a:p>
                   </a:txBody>
                   <a:tcPr marT="34290" marB="34290"/>
